--- a/Kommunikation allgemein & Kaufverträge anbahnen.pptx
+++ b/Kommunikation allgemein & Kaufverträge anbahnen.pptx
@@ -47,9 +47,9 @@
     <p:sldId id="298" r:id="rId35"/>
     <p:sldId id="299" r:id="rId36"/>
     <p:sldId id="300" r:id="rId37"/>
-    <p:sldId id="302" r:id="rId38"/>
-    <p:sldId id="303" r:id="rId39"/>
-    <p:sldId id="309" r:id="rId40"/>
+    <p:sldId id="309" r:id="rId38"/>
+    <p:sldId id="302" r:id="rId39"/>
+    <p:sldId id="303" r:id="rId40"/>
     <p:sldId id="304" r:id="rId41"/>
     <p:sldId id="305" r:id="rId42"/>
     <p:sldId id="306" r:id="rId43"/>
@@ -219,9 +219,9 @@
             <p14:sldId id="298"/>
             <p14:sldId id="299"/>
             <p14:sldId id="300"/>
+            <p14:sldId id="309"/>
             <p14:sldId id="302"/>
             <p14:sldId id="303"/>
-            <p14:sldId id="309"/>
             <p14:sldId id="304"/>
             <p14:sldId id="305"/>
             <p14:sldId id="306"/>
@@ -231,6 +231,12 @@
           </p14:sldIdLst>
         </p14:section>
       </p14:sectionLst>
+    </p:ext>
+    <p:ext uri="{EFAFB233-063F-42B5-8137-9DF3F51BA10A}">
+      <p15:sldGuideLst xmlns:p15="http://schemas.microsoft.com/office/powerpoint/2012/main"/>
+    </p:ext>
+    <p:ext uri="{2D200454-40CA-4A62-9FC3-DE9A4176ACB9}">
+      <p15:notesGuideLst xmlns:p15="http://schemas.microsoft.com/office/powerpoint/2012/main"/>
     </p:ext>
   </p:extLst>
 </p:presentation>
@@ -330,7 +336,7 @@
           <a:p>
             <a:fld id="{E62D2032-C424-4786-AD35-3EAE173144F8}" type="datetimeFigureOut">
               <a:rPr lang="de-DE" smtClean="0"/>
-              <a:t>30.10.2020</a:t>
+              <a:t>17.11.2020</a:t>
             </a:fld>
             <a:endParaRPr lang="de-DE"/>
           </a:p>
@@ -507,7 +513,7 @@
           <a:p>
             <a:fld id="{22B34E44-94EE-49C8-817D-CA1EB4B99867}" type="datetimeFigureOut">
               <a:rPr lang="de-DE" smtClean="0"/>
-              <a:t>30.10.2020</a:t>
+              <a:t>17.11.2020</a:t>
             </a:fld>
             <a:endParaRPr lang="de-DE"/>
           </a:p>
@@ -1284,7 +1290,7 @@
           <a:p>
             <a:fld id="{0FF2FF3B-1C74-4998-B4E6-8AF4F87DA186}" type="slidenum">
               <a:rPr lang="de-DE" smtClean="0"/>
-              <a:t>38</a:t>
+              <a:t>39</a:t>
             </a:fld>
             <a:endParaRPr lang="de-DE"/>
           </a:p>
@@ -1595,7 +1601,7 @@
             </a:pPr>
             <a:r>
               <a:rPr lang="de-DE" dirty="0"/>
-              <a:t>Persönlich: Zeigen, dass der Gesprächspartner bemerkt wurde (Augenkontakt, Lächeln, Gruß=</a:t>
+              <a:t>Persönlich: Zeigen, dass der Gesprächspartner bemerkt wurde (Augenkontakt, Lächeln, Gruß)</a:t>
             </a:r>
           </a:p>
           <a:p>
@@ -2293,6 +2299,12 @@
             <a:r>
               <a:rPr lang="de-DE" dirty="0"/>
               <a:t>)</a:t>
+            </a:r>
+          </a:p>
+          <a:p>
+            <a:r>
+              <a:rPr lang="de-DE" dirty="0"/>
+              <a:t>AT Länderkennzeichen, 2 Prüfziffer, 5 Bankleitzahl, Kontonummer</a:t>
             </a:r>
           </a:p>
           <a:p>
@@ -10722,7 +10734,9 @@
         </p:nvSpPr>
         <p:spPr/>
         <p:txBody>
-          <a:bodyPr/>
+          <a:bodyPr>
+            <a:normAutofit lnSpcReduction="10000"/>
+          </a:bodyPr>
           <a:lstStyle/>
           <a:p>
             <a:r>
@@ -10794,6 +10808,13 @@
             <a:r>
               <a:rPr lang="de-DE" dirty="0"/>
               <a:t>drückt besondere persönliche Beziehungen aus.</a:t>
+            </a:r>
+          </a:p>
+          <a:p>
+            <a:pPr lvl="1"/>
+            <a:r>
+              <a:rPr lang="de-DE" dirty="0"/>
+              <a:t>Reihenfolge nach Akademischer Titel (nur höchster) oder Amtstitel</a:t>
             </a:r>
           </a:p>
           <a:p>
@@ -11279,6 +11300,55 @@
                                           <p:spTgt spid="2">
                                             <p:txEl>
                                               <p:pRg st="7" end="7"/>
+                                            </p:txEl>
+                                          </p:spTgt>
+                                        </p:tgtEl>
+                                        <p:attrNameLst>
+                                          <p:attrName>style.visibility</p:attrName>
+                                        </p:attrNameLst>
+                                      </p:cBhvr>
+                                      <p:to>
+                                        <p:strVal val="visible"/>
+                                      </p:to>
+                                    </p:set>
+                                  </p:childTnLst>
+                                </p:cTn>
+                              </p:par>
+                            </p:childTnLst>
+                          </p:cTn>
+                        </p:par>
+                      </p:childTnLst>
+                    </p:cTn>
+                  </p:par>
+                  <p:par>
+                    <p:cTn id="35" fill="hold">
+                      <p:stCondLst>
+                        <p:cond delay="indefinite"/>
+                      </p:stCondLst>
+                      <p:childTnLst>
+                        <p:par>
+                          <p:cTn id="36" fill="hold">
+                            <p:stCondLst>
+                              <p:cond delay="0"/>
+                            </p:stCondLst>
+                            <p:childTnLst>
+                              <p:par>
+                                <p:cTn id="37" presetID="1" presetClass="entr" presetSubtype="0" fill="hold" nodeType="clickEffect">
+                                  <p:stCondLst>
+                                    <p:cond delay="0"/>
+                                  </p:stCondLst>
+                                  <p:childTnLst>
+                                    <p:set>
+                                      <p:cBhvr>
+                                        <p:cTn id="38" dur="1" fill="hold">
+                                          <p:stCondLst>
+                                            <p:cond delay="0"/>
+                                          </p:stCondLst>
+                                        </p:cTn>
+                                        <p:tgtEl>
+                                          <p:spTgt spid="2">
+                                            <p:txEl>
+                                              <p:pRg st="8" end="8"/>
                                             </p:txEl>
                                           </p:spTgt>
                                         </p:tgtEl>
@@ -15624,7 +15694,7 @@
             <a:pPr lvl="1"/>
             <a:r>
               <a:rPr lang="de-DE" dirty="0"/>
-              <a:t>Für Zahlungen im In- und Ausland die IBAN und den BIC des Geldinstitut</a:t>
+              <a:t>Für Zahlungen im In- und Ausland die IBAN und den BIC des Geldinstituts</a:t>
             </a:r>
           </a:p>
           <a:p>
@@ -16064,7 +16134,7 @@
           <a:p>
             <a:r>
               <a:rPr lang="de-DE" dirty="0"/>
-              <a:t>Wir vor allem auf Rechnungen angegeben</a:t>
+              <a:t>Wird vor allem auf Rechnungen angegeben</a:t>
             </a:r>
           </a:p>
           <a:p>
@@ -25637,6 +25707,80 @@
           <p:cNvPr id="3" name="Title 2">
             <a:extLst>
               <a:ext uri="{FF2B5EF4-FFF2-40B4-BE49-F238E27FC236}">
+                <a16:creationId xmlns:a16="http://schemas.microsoft.com/office/drawing/2014/main" id="{7DA22A64-D3D9-40A9-90D1-70AAC151FC71}"/>
+              </a:ext>
+            </a:extLst>
+          </p:cNvPr>
+          <p:cNvSpPr>
+            <a:spLocks noGrp="1"/>
+          </p:cNvSpPr>
+          <p:nvPr>
+            <p:ph type="title"/>
+          </p:nvPr>
+        </p:nvSpPr>
+        <p:spPr>
+          <a:xfrm>
+            <a:off x="919119" y="2800350"/>
+            <a:ext cx="10353762" cy="1257300"/>
+          </a:xfrm>
+        </p:spPr>
+        <p:txBody>
+          <a:bodyPr/>
+          <a:lstStyle/>
+          <a:p>
+            <a:r>
+              <a:rPr lang="de-DE" dirty="0"/>
+              <a:t>Zu guter Letzt</a:t>
+            </a:r>
+          </a:p>
+        </p:txBody>
+      </p:sp>
+    </p:spTree>
+    <p:extLst>
+      <p:ext uri="{BB962C8B-B14F-4D97-AF65-F5344CB8AC3E}">
+        <p14:creationId xmlns:p14="http://schemas.microsoft.com/office/powerpoint/2010/main" val="513321457"/>
+      </p:ext>
+    </p:extLst>
+  </p:cSld>
+  <p:clrMapOvr>
+    <a:masterClrMapping/>
+  </p:clrMapOvr>
+  <p:transition spd="slow">
+    <p:push dir="u"/>
+  </p:transition>
+</p:sld>
+</file>
+
+<file path=ppt/slides/slide38.xml><?xml version="1.0" encoding="utf-8"?>
+<p:sld xmlns:a="http://schemas.openxmlformats.org/drawingml/2006/main" xmlns:r="http://schemas.openxmlformats.org/officeDocument/2006/relationships" xmlns:p="http://schemas.openxmlformats.org/presentationml/2006/main">
+  <p:cSld>
+    <p:bg>
+      <p:bgPr>
+        <a:solidFill>
+          <a:schemeClr val="bg1"/>
+        </a:solidFill>
+        <a:effectLst/>
+      </p:bgPr>
+    </p:bg>
+    <p:spTree>
+      <p:nvGrpSpPr>
+        <p:cNvPr id="1" name=""/>
+        <p:cNvGrpSpPr/>
+        <p:nvPr/>
+      </p:nvGrpSpPr>
+      <p:grpSpPr>
+        <a:xfrm>
+          <a:off x="0" y="0"/>
+          <a:ext cx="0" cy="0"/>
+          <a:chOff x="0" y="0"/>
+          <a:chExt cx="0" cy="0"/>
+        </a:xfrm>
+      </p:grpSpPr>
+      <p:sp>
+        <p:nvSpPr>
+          <p:cNvPr id="3" name="Title 2">
+            <a:extLst>
+              <a:ext uri="{FF2B5EF4-FFF2-40B4-BE49-F238E27FC236}">
                 <a16:creationId xmlns:a16="http://schemas.microsoft.com/office/drawing/2014/main" id="{F3E5B8D6-5E8D-4FD7-AB81-4FD77F03D004}"/>
               </a:ext>
             </a:extLst>
@@ -25693,7 +25837,7 @@
             <a:fld id="{1A209401-DE0E-4C0D-BD51-FB2A41B8B7F6}" type="slidenum">
               <a:rPr lang="en-US" smtClean="0"/>
               <a:pPr/>
-              <a:t>37</a:t>
+              <a:t>38</a:t>
             </a:fld>
             <a:endParaRPr lang="en-US" dirty="0"/>
           </a:p>
@@ -25709,10 +25853,13 @@
   <p:clrMapOvr>
     <a:masterClrMapping/>
   </p:clrMapOvr>
+  <p:transition spd="slow">
+    <p:push dir="u"/>
+  </p:transition>
 </p:sld>
 </file>
 
-<file path=ppt/slides/slide38.xml><?xml version="1.0" encoding="utf-8"?>
+<file path=ppt/slides/slide39.xml><?xml version="1.0" encoding="utf-8"?>
 <p:sld xmlns:a="http://schemas.openxmlformats.org/drawingml/2006/main" xmlns:r="http://schemas.openxmlformats.org/officeDocument/2006/relationships" xmlns:p="http://schemas.openxmlformats.org/presentationml/2006/main">
   <p:cSld>
     <p:bg>
@@ -25863,7 +26010,7 @@
             <a:fld id="{1A209401-DE0E-4C0D-BD51-FB2A41B8B7F6}" type="slidenum">
               <a:rPr lang="en-US" smtClean="0"/>
               <a:pPr/>
-              <a:t>38</a:t>
+              <a:t>39</a:t>
             </a:fld>
             <a:endParaRPr lang="en-US" dirty="0"/>
           </a:p>
@@ -26105,107 +26252,6 @@
       </p:par>
     </p:tnLst>
   </p:timing>
-</p:sld>
-</file>
-
-<file path=ppt/slides/slide39.xml><?xml version="1.0" encoding="utf-8"?>
-<p:sld xmlns:a="http://schemas.openxmlformats.org/drawingml/2006/main" xmlns:r="http://schemas.openxmlformats.org/officeDocument/2006/relationships" xmlns:p="http://schemas.openxmlformats.org/presentationml/2006/main">
-  <p:cSld>
-    <p:bg>
-      <p:bgPr>
-        <a:solidFill>
-          <a:schemeClr val="bg1"/>
-        </a:solidFill>
-        <a:effectLst/>
-      </p:bgPr>
-    </p:bg>
-    <p:spTree>
-      <p:nvGrpSpPr>
-        <p:cNvPr id="1" name=""/>
-        <p:cNvGrpSpPr/>
-        <p:nvPr/>
-      </p:nvGrpSpPr>
-      <p:grpSpPr>
-        <a:xfrm>
-          <a:off x="0" y="0"/>
-          <a:ext cx="0" cy="0"/>
-          <a:chOff x="0" y="0"/>
-          <a:chExt cx="0" cy="0"/>
-        </a:xfrm>
-      </p:grpSpPr>
-      <p:sp>
-        <p:nvSpPr>
-          <p:cNvPr id="3" name="Title 2">
-            <a:extLst>
-              <a:ext uri="{FF2B5EF4-FFF2-40B4-BE49-F238E27FC236}">
-                <a16:creationId xmlns:a16="http://schemas.microsoft.com/office/drawing/2014/main" id="{7DA22A64-D3D9-40A9-90D1-70AAC151FC71}"/>
-              </a:ext>
-            </a:extLst>
-          </p:cNvPr>
-          <p:cNvSpPr>
-            <a:spLocks noGrp="1"/>
-          </p:cNvSpPr>
-          <p:nvPr>
-            <p:ph type="title"/>
-          </p:nvPr>
-        </p:nvSpPr>
-        <p:spPr>
-          <a:xfrm>
-            <a:off x="919119" y="2800350"/>
-            <a:ext cx="10353762" cy="1257300"/>
-          </a:xfrm>
-        </p:spPr>
-        <p:txBody>
-          <a:bodyPr/>
-          <a:lstStyle/>
-          <a:p>
-            <a:r>
-              <a:rPr lang="de-DE" dirty="0"/>
-              <a:t>Zu guter Letzt</a:t>
-            </a:r>
-          </a:p>
-        </p:txBody>
-      </p:sp>
-      <p:sp>
-        <p:nvSpPr>
-          <p:cNvPr id="4" name="Slide Number Placeholder 3">
-            <a:extLst>
-              <a:ext uri="{FF2B5EF4-FFF2-40B4-BE49-F238E27FC236}">
-                <a16:creationId xmlns:a16="http://schemas.microsoft.com/office/drawing/2014/main" id="{5B9520B6-0539-4B41-9702-EE0AC788AC3A}"/>
-              </a:ext>
-            </a:extLst>
-          </p:cNvPr>
-          <p:cNvSpPr>
-            <a:spLocks noGrp="1"/>
-          </p:cNvSpPr>
-          <p:nvPr>
-            <p:ph type="sldNum" sz="quarter" idx="12"/>
-          </p:nvPr>
-        </p:nvSpPr>
-        <p:spPr/>
-        <p:txBody>
-          <a:bodyPr/>
-          <a:lstStyle/>
-          <a:p>
-            <a:fld id="{1A209401-DE0E-4C0D-BD51-FB2A41B8B7F6}" type="slidenum">
-              <a:rPr lang="en-US" smtClean="0"/>
-              <a:pPr/>
-              <a:t>39</a:t>
-            </a:fld>
-            <a:endParaRPr lang="en-US" dirty="0"/>
-          </a:p>
-        </p:txBody>
-      </p:sp>
-    </p:spTree>
-    <p:extLst>
-      <p:ext uri="{BB962C8B-B14F-4D97-AF65-F5344CB8AC3E}">
-        <p14:creationId xmlns:p14="http://schemas.microsoft.com/office/powerpoint/2010/main" val="513321457"/>
-      </p:ext>
-    </p:extLst>
-  </p:cSld>
-  <p:clrMapOvr>
-    <a:masterClrMapping/>
-  </p:clrMapOvr>
 </p:sld>
 </file>
 

--- a/Kommunikation allgemein & Kaufverträge anbahnen.pptx
+++ b/Kommunikation allgemein & Kaufverträge anbahnen.pptx
@@ -44,10 +44,10 @@
     <p:sldId id="294" r:id="rId32"/>
     <p:sldId id="295" r:id="rId33"/>
     <p:sldId id="297" r:id="rId34"/>
-    <p:sldId id="298" r:id="rId35"/>
-    <p:sldId id="299" r:id="rId36"/>
-    <p:sldId id="300" r:id="rId37"/>
-    <p:sldId id="309" r:id="rId38"/>
+    <p:sldId id="309" r:id="rId35"/>
+    <p:sldId id="298" r:id="rId36"/>
+    <p:sldId id="299" r:id="rId37"/>
+    <p:sldId id="300" r:id="rId38"/>
     <p:sldId id="302" r:id="rId39"/>
     <p:sldId id="303" r:id="rId40"/>
     <p:sldId id="304" r:id="rId41"/>
@@ -212,6 +212,7 @@
             <p14:sldId id="294"/>
             <p14:sldId id="295"/>
             <p14:sldId id="297"/>
+            <p14:sldId id="309"/>
           </p14:sldIdLst>
         </p14:section>
         <p14:section name="Kaufverträge anbahnen" id="{16ECA4C7-D4DA-499F-85EC-8A503A0FDF7D}">
@@ -219,7 +220,6 @@
             <p14:sldId id="298"/>
             <p14:sldId id="299"/>
             <p14:sldId id="300"/>
-            <p14:sldId id="309"/>
             <p14:sldId id="302"/>
             <p14:sldId id="303"/>
             <p14:sldId id="304"/>
@@ -336,7 +336,7 @@
           <a:p>
             <a:fld id="{E62D2032-C424-4786-AD35-3EAE173144F8}" type="datetimeFigureOut">
               <a:rPr lang="de-DE" smtClean="0"/>
-              <a:t>17.11.2020</a:t>
+              <a:t>24.11.2020</a:t>
             </a:fld>
             <a:endParaRPr lang="de-DE"/>
           </a:p>
@@ -513,7 +513,7 @@
           <a:p>
             <a:fld id="{22B34E44-94EE-49C8-817D-CA1EB4B99867}" type="datetimeFigureOut">
               <a:rPr lang="de-DE" smtClean="0"/>
-              <a:t>17.11.2020</a:t>
+              <a:t>24.11.2020</a:t>
             </a:fld>
             <a:endParaRPr lang="de-DE"/>
           </a:p>
@@ -1269,6 +1269,70 @@
           <a:bodyPr/>
           <a:lstStyle/>
           <a:p>
+            <a:r>
+              <a:rPr lang="de-DE" dirty="0"/>
+              <a:t>Telefonisch:</a:t>
+            </a:r>
+          </a:p>
+          <a:p>
+            <a:r>
+              <a:rPr lang="de-DE" dirty="0"/>
+              <a:t>7 Schritte der Aktiven und Passiven </a:t>
+            </a:r>
+            <a:r>
+              <a:rPr lang="de-DE" dirty="0" err="1"/>
+              <a:t>verständigung</a:t>
+            </a:r>
+            <a:endParaRPr lang="de-DE" dirty="0"/>
+          </a:p>
+          <a:p>
+            <a:endParaRPr lang="de-DE" dirty="0"/>
+          </a:p>
+          <a:p>
+            <a:r>
+              <a:rPr lang="de-DE" dirty="0"/>
+              <a:t>Schriftlich: </a:t>
+            </a:r>
+            <a:r>
+              <a:rPr lang="de-AT" dirty="0"/>
+              <a:t>Betreff</a:t>
+            </a:r>
+          </a:p>
+          <a:p>
+            <a:r>
+              <a:rPr lang="de-AT" dirty="0"/>
+              <a:t>Anlass des Schreibens</a:t>
+            </a:r>
+          </a:p>
+          <a:p>
+            <a:r>
+              <a:rPr lang="de-AT" dirty="0"/>
+              <a:t>Eigenes Anliegen</a:t>
+            </a:r>
+          </a:p>
+          <a:p>
+            <a:r>
+              <a:rPr lang="de-AT" dirty="0"/>
+              <a:t>Begründung</a:t>
+            </a:r>
+          </a:p>
+          <a:p>
+            <a:r>
+              <a:rPr lang="de-AT" dirty="0"/>
+              <a:t>Erwartete Reaktion</a:t>
+            </a:r>
+          </a:p>
+          <a:p>
+            <a:r>
+              <a:rPr lang="de-AT" dirty="0"/>
+              <a:t>Mögliche Folgen</a:t>
+            </a:r>
+          </a:p>
+          <a:p>
+            <a:r>
+              <a:rPr lang="de-AT" dirty="0"/>
+              <a:t>Grußformel</a:t>
+            </a:r>
             <a:endParaRPr lang="de-DE" dirty="0"/>
           </a:p>
         </p:txBody>
@@ -1290,7 +1354,7 @@
           <a:p>
             <a:fld id="{0FF2FF3B-1C74-4998-B4E6-8AF4F87DA186}" type="slidenum">
               <a:rPr lang="de-DE" smtClean="0"/>
-              <a:t>39</a:t>
+              <a:t>37</a:t>
             </a:fld>
             <a:endParaRPr lang="de-DE"/>
           </a:p>
@@ -1299,7 +1363,7 @@
     </p:spTree>
     <p:extLst>
       <p:ext uri="{BB962C8B-B14F-4D97-AF65-F5344CB8AC3E}">
-        <p14:creationId xmlns:p14="http://schemas.microsoft.com/office/powerpoint/2010/main" val="240974216"/>
+        <p14:creationId xmlns:p14="http://schemas.microsoft.com/office/powerpoint/2010/main" val="62140611"/>
       </p:ext>
     </p:extLst>
   </p:cSld>
@@ -1353,12 +1417,6 @@
           <a:bodyPr/>
           <a:lstStyle/>
           <a:p>
-            <a:r>
-              <a:rPr lang="de-DE" dirty="0"/>
-              <a:t>Person = Unternehmen oder Privatperson</a:t>
-            </a:r>
-          </a:p>
-          <a:p>
             <a:endParaRPr lang="de-DE" dirty="0"/>
           </a:p>
         </p:txBody>
@@ -1380,6 +1438,96 @@
           <a:p>
             <a:fld id="{0FF2FF3B-1C74-4998-B4E6-8AF4F87DA186}" type="slidenum">
               <a:rPr lang="de-DE" smtClean="0"/>
+              <a:t>39</a:t>
+            </a:fld>
+            <a:endParaRPr lang="de-DE"/>
+          </a:p>
+        </p:txBody>
+      </p:sp>
+    </p:spTree>
+    <p:extLst>
+      <p:ext uri="{BB962C8B-B14F-4D97-AF65-F5344CB8AC3E}">
+        <p14:creationId xmlns:p14="http://schemas.microsoft.com/office/powerpoint/2010/main" val="240974216"/>
+      </p:ext>
+    </p:extLst>
+  </p:cSld>
+  <p:clrMapOvr>
+    <a:masterClrMapping/>
+  </p:clrMapOvr>
+</p:notes>
+</file>
+
+<file path=ppt/notesSlides/notesSlide16.xml><?xml version="1.0" encoding="utf-8"?>
+<p:notes xmlns:a="http://schemas.openxmlformats.org/drawingml/2006/main" xmlns:r="http://schemas.openxmlformats.org/officeDocument/2006/relationships" xmlns:p="http://schemas.openxmlformats.org/presentationml/2006/main">
+  <p:cSld>
+    <p:spTree>
+      <p:nvGrpSpPr>
+        <p:cNvPr id="1" name=""/>
+        <p:cNvGrpSpPr/>
+        <p:nvPr/>
+      </p:nvGrpSpPr>
+      <p:grpSpPr>
+        <a:xfrm>
+          <a:off x="0" y="0"/>
+          <a:ext cx="0" cy="0"/>
+          <a:chOff x="0" y="0"/>
+          <a:chExt cx="0" cy="0"/>
+        </a:xfrm>
+      </p:grpSpPr>
+      <p:sp>
+        <p:nvSpPr>
+          <p:cNvPr id="2" name="Slide Image Placeholder 1"/>
+          <p:cNvSpPr>
+            <a:spLocks noGrp="1" noRot="1" noChangeAspect="1"/>
+          </p:cNvSpPr>
+          <p:nvPr>
+            <p:ph type="sldImg"/>
+          </p:nvPr>
+        </p:nvSpPr>
+        <p:spPr/>
+      </p:sp>
+      <p:sp>
+        <p:nvSpPr>
+          <p:cNvPr id="3" name="Notes Placeholder 2"/>
+          <p:cNvSpPr>
+            <a:spLocks noGrp="1"/>
+          </p:cNvSpPr>
+          <p:nvPr>
+            <p:ph type="body" idx="1"/>
+          </p:nvPr>
+        </p:nvSpPr>
+        <p:spPr/>
+        <p:txBody>
+          <a:bodyPr/>
+          <a:lstStyle/>
+          <a:p>
+            <a:r>
+              <a:rPr lang="de-DE" dirty="0"/>
+              <a:t>Person = Unternehmen oder Privatperson</a:t>
+            </a:r>
+          </a:p>
+          <a:p>
+            <a:endParaRPr lang="de-DE" dirty="0"/>
+          </a:p>
+        </p:txBody>
+      </p:sp>
+      <p:sp>
+        <p:nvSpPr>
+          <p:cNvPr id="4" name="Slide Number Placeholder 3"/>
+          <p:cNvSpPr>
+            <a:spLocks noGrp="1"/>
+          </p:cNvSpPr>
+          <p:nvPr>
+            <p:ph type="sldNum" sz="quarter" idx="5"/>
+          </p:nvPr>
+        </p:nvSpPr>
+        <p:spPr/>
+        <p:txBody>
+          <a:bodyPr/>
+          <a:lstStyle/>
+          <a:p>
+            <a:fld id="{0FF2FF3B-1C74-4998-B4E6-8AF4F87DA186}" type="slidenum">
+              <a:rPr lang="de-DE" smtClean="0"/>
               <a:t>41</a:t>
             </a:fld>
             <a:endParaRPr lang="de-DE"/>
@@ -1390,6 +1538,107 @@
     <p:extLst>
       <p:ext uri="{BB962C8B-B14F-4D97-AF65-F5344CB8AC3E}">
         <p14:creationId xmlns:p14="http://schemas.microsoft.com/office/powerpoint/2010/main" val="109577401"/>
+      </p:ext>
+    </p:extLst>
+  </p:cSld>
+  <p:clrMapOvr>
+    <a:masterClrMapping/>
+  </p:clrMapOvr>
+</p:notes>
+</file>
+
+<file path=ppt/notesSlides/notesSlide17.xml><?xml version="1.0" encoding="utf-8"?>
+<p:notes xmlns:a="http://schemas.openxmlformats.org/drawingml/2006/main" xmlns:r="http://schemas.openxmlformats.org/officeDocument/2006/relationships" xmlns:p="http://schemas.openxmlformats.org/presentationml/2006/main">
+  <p:cSld>
+    <p:spTree>
+      <p:nvGrpSpPr>
+        <p:cNvPr id="1" name=""/>
+        <p:cNvGrpSpPr/>
+        <p:nvPr/>
+      </p:nvGrpSpPr>
+      <p:grpSpPr>
+        <a:xfrm>
+          <a:off x="0" y="0"/>
+          <a:ext cx="0" cy="0"/>
+          <a:chOff x="0" y="0"/>
+          <a:chExt cx="0" cy="0"/>
+        </a:xfrm>
+      </p:grpSpPr>
+      <p:sp>
+        <p:nvSpPr>
+          <p:cNvPr id="2" name="Slide Image Placeholder 1"/>
+          <p:cNvSpPr>
+            <a:spLocks noGrp="1" noRot="1" noChangeAspect="1"/>
+          </p:cNvSpPr>
+          <p:nvPr>
+            <p:ph type="sldImg"/>
+          </p:nvPr>
+        </p:nvSpPr>
+        <p:spPr/>
+      </p:sp>
+      <p:sp>
+        <p:nvSpPr>
+          <p:cNvPr id="3" name="Notes Placeholder 2"/>
+          <p:cNvSpPr>
+            <a:spLocks noGrp="1"/>
+          </p:cNvSpPr>
+          <p:nvPr>
+            <p:ph type="body" idx="1"/>
+          </p:nvPr>
+        </p:nvSpPr>
+        <p:spPr/>
+        <p:txBody>
+          <a:bodyPr/>
+          <a:lstStyle/>
+          <a:p>
+            <a:r>
+              <a:rPr lang="de-DE" dirty="0"/>
+              <a:t>Schriftlich: Doppelter Beförderungsweg &amp; Angemessene Überlegungsfrist (Von </a:t>
+            </a:r>
+            <a:r>
+              <a:rPr lang="de-DE" dirty="0" err="1"/>
+              <a:t>art</a:t>
+            </a:r>
+            <a:r>
+              <a:rPr lang="de-DE" dirty="0"/>
+              <a:t> des Geschäftes abhängig)</a:t>
+            </a:r>
+          </a:p>
+          <a:p>
+            <a:r>
+              <a:rPr lang="de-DE" dirty="0"/>
+              <a:t>Bindung unter Anwesenden: Nur solange die Verbindung besteht</a:t>
+            </a:r>
+          </a:p>
+        </p:txBody>
+      </p:sp>
+      <p:sp>
+        <p:nvSpPr>
+          <p:cNvPr id="4" name="Slide Number Placeholder 3"/>
+          <p:cNvSpPr>
+            <a:spLocks noGrp="1"/>
+          </p:cNvSpPr>
+          <p:nvPr>
+            <p:ph type="sldNum" sz="quarter" idx="5"/>
+          </p:nvPr>
+        </p:nvSpPr>
+        <p:spPr/>
+        <p:txBody>
+          <a:bodyPr/>
+          <a:lstStyle/>
+          <a:p>
+            <a:fld id="{0FF2FF3B-1C74-4998-B4E6-8AF4F87DA186}" type="slidenum">
+              <a:rPr lang="de-DE" smtClean="0"/>
+              <a:t>42</a:t>
+            </a:fld>
+            <a:endParaRPr lang="de-DE"/>
+          </a:p>
+        </p:txBody>
+      </p:sp>
+    </p:spTree>
+    <p:extLst>
+      <p:ext uri="{BB962C8B-B14F-4D97-AF65-F5344CB8AC3E}">
+        <p14:creationId xmlns:p14="http://schemas.microsoft.com/office/powerpoint/2010/main" val="2105336639"/>
       </p:ext>
     </p:extLst>
   </p:cSld>
@@ -24578,6 +24827,80 @@
           <p:cNvPr id="3" name="Title 2">
             <a:extLst>
               <a:ext uri="{FF2B5EF4-FFF2-40B4-BE49-F238E27FC236}">
+                <a16:creationId xmlns:a16="http://schemas.microsoft.com/office/drawing/2014/main" id="{7DA22A64-D3D9-40A9-90D1-70AAC151FC71}"/>
+              </a:ext>
+            </a:extLst>
+          </p:cNvPr>
+          <p:cNvSpPr>
+            <a:spLocks noGrp="1"/>
+          </p:cNvSpPr>
+          <p:nvPr>
+            <p:ph type="title"/>
+          </p:nvPr>
+        </p:nvSpPr>
+        <p:spPr>
+          <a:xfrm>
+            <a:off x="919119" y="2800350"/>
+            <a:ext cx="10353762" cy="1257300"/>
+          </a:xfrm>
+        </p:spPr>
+        <p:txBody>
+          <a:bodyPr/>
+          <a:lstStyle/>
+          <a:p>
+            <a:r>
+              <a:rPr lang="de-DE" dirty="0"/>
+              <a:t>Zu guter Letzt</a:t>
+            </a:r>
+          </a:p>
+        </p:txBody>
+      </p:sp>
+    </p:spTree>
+    <p:extLst>
+      <p:ext uri="{BB962C8B-B14F-4D97-AF65-F5344CB8AC3E}">
+        <p14:creationId xmlns:p14="http://schemas.microsoft.com/office/powerpoint/2010/main" val="513321457"/>
+      </p:ext>
+    </p:extLst>
+  </p:cSld>
+  <p:clrMapOvr>
+    <a:masterClrMapping/>
+  </p:clrMapOvr>
+  <p:transition spd="slow">
+    <p:push dir="u"/>
+  </p:transition>
+</p:sld>
+</file>
+
+<file path=ppt/slides/slide35.xml><?xml version="1.0" encoding="utf-8"?>
+<p:sld xmlns:a="http://schemas.openxmlformats.org/drawingml/2006/main" xmlns:r="http://schemas.openxmlformats.org/officeDocument/2006/relationships" xmlns:p="http://schemas.openxmlformats.org/presentationml/2006/main">
+  <p:cSld>
+    <p:bg>
+      <p:bgPr>
+        <a:solidFill>
+          <a:schemeClr val="bg1"/>
+        </a:solidFill>
+        <a:effectLst/>
+      </p:bgPr>
+    </p:bg>
+    <p:spTree>
+      <p:nvGrpSpPr>
+        <p:cNvPr id="1" name=""/>
+        <p:cNvGrpSpPr/>
+        <p:nvPr/>
+      </p:nvGrpSpPr>
+      <p:grpSpPr>
+        <a:xfrm>
+          <a:off x="0" y="0"/>
+          <a:ext cx="0" cy="0"/>
+          <a:chOff x="0" y="0"/>
+          <a:chExt cx="0" cy="0"/>
+        </a:xfrm>
+      </p:grpSpPr>
+      <p:sp>
+        <p:nvSpPr>
+          <p:cNvPr id="3" name="Title 2">
+            <a:extLst>
+              <a:ext uri="{FF2B5EF4-FFF2-40B4-BE49-F238E27FC236}">
                 <a16:creationId xmlns:a16="http://schemas.microsoft.com/office/drawing/2014/main" id="{F03466DE-8D26-4B54-B81F-2CF927FFB8AB}"/>
               </a:ext>
             </a:extLst>
@@ -24634,7 +24957,7 @@
             <a:fld id="{1A209401-DE0E-4C0D-BD51-FB2A41B8B7F6}" type="slidenum">
               <a:rPr lang="en-US" smtClean="0"/>
               <a:pPr/>
-              <a:t>34</a:t>
+              <a:t>35</a:t>
             </a:fld>
             <a:endParaRPr lang="en-US" dirty="0"/>
           </a:p>
@@ -24653,7 +24976,7 @@
 </p:sld>
 </file>
 
-<file path=ppt/slides/slide35.xml><?xml version="1.0" encoding="utf-8"?>
+<file path=ppt/slides/slide36.xml><?xml version="1.0" encoding="utf-8"?>
 <p:sld xmlns:a="http://schemas.openxmlformats.org/drawingml/2006/main" xmlns:r="http://schemas.openxmlformats.org/officeDocument/2006/relationships" xmlns:p="http://schemas.openxmlformats.org/presentationml/2006/main">
   <p:cSld>
     <p:bg>
@@ -24739,7 +25062,7 @@
             <a:fld id="{1A209401-DE0E-4C0D-BD51-FB2A41B8B7F6}" type="slidenum">
               <a:rPr lang="en-US" smtClean="0"/>
               <a:pPr/>
-              <a:t>35</a:t>
+              <a:t>36</a:t>
             </a:fld>
             <a:endParaRPr lang="en-US" dirty="0"/>
           </a:p>
@@ -24758,7 +25081,7 @@
 </p:sld>
 </file>
 
-<file path=ppt/slides/slide36.xml><?xml version="1.0" encoding="utf-8"?>
+<file path=ppt/slides/slide37.xml><?xml version="1.0" encoding="utf-8"?>
 <p:sld xmlns:a="http://schemas.openxmlformats.org/drawingml/2006/main" xmlns:r="http://schemas.openxmlformats.org/officeDocument/2006/relationships" xmlns:p="http://schemas.openxmlformats.org/presentationml/2006/main">
   <p:cSld>
     <p:bg>
@@ -24880,7 +25203,7 @@
             <a:fld id="{1A209401-DE0E-4C0D-BD51-FB2A41B8B7F6}" type="slidenum">
               <a:rPr lang="en-US" smtClean="0"/>
               <a:pPr/>
-              <a:t>36</a:t>
+              <a:t>37</a:t>
             </a:fld>
             <a:endParaRPr lang="en-US" dirty="0"/>
           </a:p>
@@ -25674,80 +25997,6 @@
       <p:bldP spid="7" grpId="0"/>
     </p:bldLst>
   </p:timing>
-</p:sld>
-</file>
-
-<file path=ppt/slides/slide37.xml><?xml version="1.0" encoding="utf-8"?>
-<p:sld xmlns:a="http://schemas.openxmlformats.org/drawingml/2006/main" xmlns:r="http://schemas.openxmlformats.org/officeDocument/2006/relationships" xmlns:p="http://schemas.openxmlformats.org/presentationml/2006/main">
-  <p:cSld>
-    <p:bg>
-      <p:bgPr>
-        <a:solidFill>
-          <a:schemeClr val="bg1"/>
-        </a:solidFill>
-        <a:effectLst/>
-      </p:bgPr>
-    </p:bg>
-    <p:spTree>
-      <p:nvGrpSpPr>
-        <p:cNvPr id="1" name=""/>
-        <p:cNvGrpSpPr/>
-        <p:nvPr/>
-      </p:nvGrpSpPr>
-      <p:grpSpPr>
-        <a:xfrm>
-          <a:off x="0" y="0"/>
-          <a:ext cx="0" cy="0"/>
-          <a:chOff x="0" y="0"/>
-          <a:chExt cx="0" cy="0"/>
-        </a:xfrm>
-      </p:grpSpPr>
-      <p:sp>
-        <p:nvSpPr>
-          <p:cNvPr id="3" name="Title 2">
-            <a:extLst>
-              <a:ext uri="{FF2B5EF4-FFF2-40B4-BE49-F238E27FC236}">
-                <a16:creationId xmlns:a16="http://schemas.microsoft.com/office/drawing/2014/main" id="{7DA22A64-D3D9-40A9-90D1-70AAC151FC71}"/>
-              </a:ext>
-            </a:extLst>
-          </p:cNvPr>
-          <p:cNvSpPr>
-            <a:spLocks noGrp="1"/>
-          </p:cNvSpPr>
-          <p:nvPr>
-            <p:ph type="title"/>
-          </p:nvPr>
-        </p:nvSpPr>
-        <p:spPr>
-          <a:xfrm>
-            <a:off x="919119" y="2800350"/>
-            <a:ext cx="10353762" cy="1257300"/>
-          </a:xfrm>
-        </p:spPr>
-        <p:txBody>
-          <a:bodyPr/>
-          <a:lstStyle/>
-          <a:p>
-            <a:r>
-              <a:rPr lang="de-DE" dirty="0"/>
-              <a:t>Zu guter Letzt</a:t>
-            </a:r>
-          </a:p>
-        </p:txBody>
-      </p:sp>
-    </p:spTree>
-    <p:extLst>
-      <p:ext uri="{BB962C8B-B14F-4D97-AF65-F5344CB8AC3E}">
-        <p14:creationId xmlns:p14="http://schemas.microsoft.com/office/powerpoint/2010/main" val="513321457"/>
-      </p:ext>
-    </p:extLst>
-  </p:cSld>
-  <p:clrMapOvr>
-    <a:masterClrMapping/>
-  </p:clrMapOvr>
-  <p:transition spd="slow">
-    <p:push dir="u"/>
-  </p:transition>
 </p:sld>
 </file>
 
